--- a/Powerpoints/6 Panel Models.pptx
+++ b/Powerpoints/6 Panel Models.pptx
@@ -253,7 +253,7 @@
           <a:p>
             <a:fld id="{BC90CB22-C839-6149-99A7-A90D8892B5C9}" type="datetimeFigureOut">
               <a:rPr lang="en-US" smtClean="0"/>
-              <a:t>10/28/22</a:t>
+              <a:t>10/30/22</a:t>
             </a:fld>
             <a:endParaRPr lang="en-US"/>
           </a:p>
@@ -995,7 +995,7 @@
           <a:p>
             <a:fld id="{6A51730C-A43A-674C-AA66-C618CC514046}" type="datetimeFigureOut">
               <a:rPr lang="en-US" smtClean="0"/>
-              <a:t>10/28/22</a:t>
+              <a:t>10/30/22</a:t>
             </a:fld>
             <a:endParaRPr lang="en-US"/>
           </a:p>
@@ -1193,7 +1193,7 @@
           <a:p>
             <a:fld id="{6A51730C-A43A-674C-AA66-C618CC514046}" type="datetimeFigureOut">
               <a:rPr lang="en-US" smtClean="0"/>
-              <a:t>10/28/22</a:t>
+              <a:t>10/30/22</a:t>
             </a:fld>
             <a:endParaRPr lang="en-US"/>
           </a:p>
@@ -1401,7 +1401,7 @@
           <a:p>
             <a:fld id="{6A51730C-A43A-674C-AA66-C618CC514046}" type="datetimeFigureOut">
               <a:rPr lang="en-US" smtClean="0"/>
-              <a:t>10/28/22</a:t>
+              <a:t>10/30/22</a:t>
             </a:fld>
             <a:endParaRPr lang="en-US"/>
           </a:p>
@@ -1599,7 +1599,7 @@
           <a:p>
             <a:fld id="{6A51730C-A43A-674C-AA66-C618CC514046}" type="datetimeFigureOut">
               <a:rPr lang="en-US" smtClean="0"/>
-              <a:t>10/28/22</a:t>
+              <a:t>10/30/22</a:t>
             </a:fld>
             <a:endParaRPr lang="en-US"/>
           </a:p>
@@ -1874,7 +1874,7 @@
           <a:p>
             <a:fld id="{6A51730C-A43A-674C-AA66-C618CC514046}" type="datetimeFigureOut">
               <a:rPr lang="en-US" smtClean="0"/>
-              <a:t>10/28/22</a:t>
+              <a:t>10/30/22</a:t>
             </a:fld>
             <a:endParaRPr lang="en-US"/>
           </a:p>
@@ -2139,7 +2139,7 @@
           <a:p>
             <a:fld id="{6A51730C-A43A-674C-AA66-C618CC514046}" type="datetimeFigureOut">
               <a:rPr lang="en-US" smtClean="0"/>
-              <a:t>10/28/22</a:t>
+              <a:t>10/30/22</a:t>
             </a:fld>
             <a:endParaRPr lang="en-US"/>
           </a:p>
@@ -2551,7 +2551,7 @@
           <a:p>
             <a:fld id="{6A51730C-A43A-674C-AA66-C618CC514046}" type="datetimeFigureOut">
               <a:rPr lang="en-US" smtClean="0"/>
-              <a:t>10/28/22</a:t>
+              <a:t>10/30/22</a:t>
             </a:fld>
             <a:endParaRPr lang="en-US"/>
           </a:p>
@@ -2692,7 +2692,7 @@
           <a:p>
             <a:fld id="{6A51730C-A43A-674C-AA66-C618CC514046}" type="datetimeFigureOut">
               <a:rPr lang="en-US" smtClean="0"/>
-              <a:t>10/28/22</a:t>
+              <a:t>10/30/22</a:t>
             </a:fld>
             <a:endParaRPr lang="en-US"/>
           </a:p>
@@ -2805,7 +2805,7 @@
           <a:p>
             <a:fld id="{6A51730C-A43A-674C-AA66-C618CC514046}" type="datetimeFigureOut">
               <a:rPr lang="en-US" smtClean="0"/>
-              <a:t>10/28/22</a:t>
+              <a:t>10/30/22</a:t>
             </a:fld>
             <a:endParaRPr lang="en-US"/>
           </a:p>
@@ -3116,7 +3116,7 @@
           <a:p>
             <a:fld id="{6A51730C-A43A-674C-AA66-C618CC514046}" type="datetimeFigureOut">
               <a:rPr lang="en-US" smtClean="0"/>
-              <a:t>10/28/22</a:t>
+              <a:t>10/30/22</a:t>
             </a:fld>
             <a:endParaRPr lang="en-US"/>
           </a:p>
@@ -3404,7 +3404,7 @@
           <a:p>
             <a:fld id="{6A51730C-A43A-674C-AA66-C618CC514046}" type="datetimeFigureOut">
               <a:rPr lang="en-US" smtClean="0"/>
-              <a:t>10/28/22</a:t>
+              <a:t>10/30/22</a:t>
             </a:fld>
             <a:endParaRPr lang="en-US"/>
           </a:p>
@@ -3645,7 +3645,7 @@
           <a:p>
             <a:fld id="{6A51730C-A43A-674C-AA66-C618CC514046}" type="datetimeFigureOut">
               <a:rPr lang="en-US" smtClean="0"/>
-              <a:t>10/28/22</a:t>
+              <a:t>10/30/22</a:t>
             </a:fld>
             <a:endParaRPr lang="en-US"/>
           </a:p>
@@ -14304,8 +14304,8 @@
           </a:p>
         </p:txBody>
       </p:sp>
-      <mc:AlternateContent xmlns:mc="http://schemas.openxmlformats.org/markup-compatibility/2006" xmlns:a14="http://schemas.microsoft.com/office/drawing/2010/main">
-        <mc:Choice Requires="a14">
+      <mc:AlternateContent xmlns:mc="http://schemas.openxmlformats.org/markup-compatibility/2006">
+        <mc:Choice xmlns:a14="http://schemas.microsoft.com/office/drawing/2010/main" Requires="a14">
           <p:sp>
             <p:nvSpPr>
               <p:cNvPr id="3" name="Content Placeholder 2">
@@ -14324,12 +14324,14 @@
             </p:nvSpPr>
             <p:spPr/>
             <p:txBody>
-              <a:bodyPr/>
+              <a:bodyPr>
+                <a:normAutofit lnSpcReduction="10000"/>
+              </a:bodyPr>
               <a:lstStyle/>
               <a:p>
                 <a:r>
                   <a:rPr lang="en-US" dirty="0"/>
-                  <a:t>A less restrictive SC model uses cross-validation with an elastic net regression to allow a more flexible way of estimating </a:t>
+                  <a:t>A less restrictive SC model uses cross-validation to allow a more flexible way of estimating </a:t>
                 </a:r>
                 <a14:m>
                   <m:oMath xmlns:m="http://schemas.openxmlformats.org/officeDocument/2006/math">
@@ -14385,7 +14387,7 @@
                 </a14:m>
                 <a:r>
                   <a:rPr lang="en-US" dirty="0"/>
-                  <a:t>.</a:t>
+                  <a:t>. </a:t>
                 </a:r>
               </a:p>
               <a:p>
@@ -14462,8 +14464,20 @@
                 </a14:m>
                 <a:r>
                   <a:rPr lang="en-US" dirty="0"/>
-                  <a:t> can be positive or negative, and do not necessarily need to add up to one. This allows additional precision to estimating the pre-trend.</a:t>
+                  <a:t> can be positive or negative, and do not necessarily need to add up to one. This allows additional precision to estimating the pre-trend. A regularization term via elastic net allows a unique solution, compared to </a:t>
                 </a:r>
+                <a:r>
+                  <a:rPr lang="en-US"/>
+                  <a:t>ADH’s constraints.</a:t>
+                </a:r>
+                <a:endParaRPr lang="en-US" dirty="0"/>
+              </a:p>
+              <a:p>
+                <a:pPr marL="514350" indent="-514350">
+                  <a:buFont typeface="+mj-lt"/>
+                  <a:buAutoNum type="arabicPeriod"/>
+                </a:pPr>
+                <a:endParaRPr lang="en-US" dirty="0"/>
               </a:p>
               <a:p>
                 <a:endParaRPr lang="en-US" dirty="0"/>
@@ -14471,7 +14485,7 @@
             </p:txBody>
           </p:sp>
         </mc:Choice>
-        <mc:Fallback xmlns="">
+        <mc:Fallback>
           <p:sp>
             <p:nvSpPr>
               <p:cNvPr id="3" name="Content Placeholder 2">
@@ -14492,7 +14506,7 @@
               <a:blipFill>
                 <a:blip r:embed="rId2"/>
                 <a:stretch>
-                  <a:fillRect l="-1206" t="-2326" r="-1327"/>
+                  <a:fillRect l="-1206" t="-3198" r="-1327"/>
                 </a:stretch>
               </a:blipFill>
             </p:spPr>
@@ -14569,8 +14583,8 @@
           </a:p>
         </p:txBody>
       </p:sp>
-      <mc:AlternateContent xmlns:mc="http://schemas.openxmlformats.org/markup-compatibility/2006">
-        <mc:Choice xmlns:a14="http://schemas.microsoft.com/office/drawing/2010/main" Requires="a14">
+      <mc:AlternateContent xmlns:mc="http://schemas.openxmlformats.org/markup-compatibility/2006" xmlns:a14="http://schemas.microsoft.com/office/drawing/2010/main">
+        <mc:Choice Requires="a14">
           <p:sp>
             <p:nvSpPr>
               <p:cNvPr id="3" name="Content Placeholder 2">
@@ -15012,7 +15026,7 @@
             </p:txBody>
           </p:sp>
         </mc:Choice>
-        <mc:Fallback>
+        <mc:Fallback xmlns="">
           <p:sp>
             <p:nvSpPr>
               <p:cNvPr id="3" name="Content Placeholder 2">

--- a/Powerpoints/6 Panel Models.pptx
+++ b/Powerpoints/6 Panel Models.pptx
@@ -14325,7 +14325,7 @@
             <p:spPr/>
             <p:txBody>
               <a:bodyPr>
-                <a:normAutofit lnSpcReduction="10000"/>
+                <a:normAutofit/>
               </a:bodyPr>
               <a:lstStyle/>
               <a:p>
@@ -14506,7 +14506,7 @@
               <a:blipFill>
                 <a:blip r:embed="rId2"/>
                 <a:stretch>
-                  <a:fillRect l="-1206" t="-3198" r="-1327"/>
+                  <a:fillRect l="-1206" t="-2326" r="-1327" b="-2907"/>
                 </a:stretch>
               </a:blipFill>
             </p:spPr>
